--- a/Proposta/Slides/Projeto Solar - Proposta (Slides) .pptx
+++ b/Proposta/Slides/Projeto Solar - Proposta (Slides) .pptx
@@ -24,6 +24,7 @@
     <p:sldId id="269" r:id="rId21"/>
     <p:sldId id="270" r:id="rId22"/>
     <p:sldId id="271" r:id="rId23"/>
+    <p:sldId id="272" r:id="rId24"/>
   </p:sldIdLst>
   <p:sldSz cx="24384000" cy="13716000"/>
   <p:notesSz cx="6858000" cy="9144000"/>
@@ -4684,8 +4685,8 @@
         </p:nvSpPr>
         <p:spPr>
           <a:xfrm flipH="1" flipV="1">
-            <a:off x="-1849606" y="7973906"/>
-            <a:ext cx="22385477" cy="9048528"/>
+            <a:off x="-1849606" y="7973905"/>
+            <a:ext cx="22385476" cy="9048530"/>
           </a:xfrm>
           <a:prstGeom prst="line">
             <a:avLst/>
@@ -4804,8 +4805,8 @@
         </p:blipFill>
         <p:spPr>
           <a:xfrm>
-            <a:off x="16244361" y="-3298697"/>
-            <a:ext cx="29303500" cy="20719794"/>
+            <a:off x="16244361" y="-3298696"/>
+            <a:ext cx="29303500" cy="20719793"/>
           </a:xfrm>
           <a:prstGeom prst="rect">
             <a:avLst/>
@@ -4833,8 +4834,8 @@
         </p:blipFill>
         <p:spPr>
           <a:xfrm>
-            <a:off x="17230035" y="-3298697"/>
-            <a:ext cx="29303500" cy="20719794"/>
+            <a:off x="17230036" y="-3298696"/>
+            <a:ext cx="29303499" cy="20719793"/>
           </a:xfrm>
           <a:prstGeom prst="rect">
             <a:avLst/>
@@ -5308,7 +5309,7 @@
         </p:blipFill>
         <p:spPr>
           <a:xfrm>
-            <a:off x="25429817" y="1292988"/>
+            <a:off x="25429816" y="1292988"/>
             <a:ext cx="6427170" cy="11130024"/>
           </a:xfrm>
           <a:prstGeom prst="rect">
@@ -5599,8 +5600,8 @@
       </p:par>
     </p:tnLst>
     <p:bldLst>
+      <p:bldP build="whole" bldLvl="1" animBg="1" rev="0" advAuto="0" spid="259" grpId="4"/>
       <p:bldP build="whole" bldLvl="1" animBg="1" rev="0" advAuto="0" spid="260" grpId="1"/>
-      <p:bldP build="whole" bldLvl="1" animBg="1" rev="0" advAuto="0" spid="259" grpId="4"/>
     </p:bldLst>
   </p:timing>
 </p:sld>
@@ -5734,8 +5735,8 @@
         </p:nvSpPr>
         <p:spPr>
           <a:xfrm>
-            <a:off x="6863258" y="-234544"/>
-            <a:ext cx="20008653" cy="5583167"/>
+            <a:off x="6863258" y="-234543"/>
+            <a:ext cx="20008654" cy="5583165"/>
           </a:xfrm>
           <a:prstGeom prst="line">
             <a:avLst/>
@@ -5767,7 +5768,7 @@
         <p:spPr>
           <a:xfrm flipV="1">
             <a:off x="11275516" y="2575650"/>
-            <a:ext cx="15557502" cy="16832996"/>
+            <a:ext cx="15557501" cy="16832996"/>
           </a:xfrm>
           <a:prstGeom prst="line">
             <a:avLst/>
@@ -6266,7 +6267,7 @@
         <p:spPr>
           <a:xfrm>
             <a:off x="3120796" y="4084975"/>
-            <a:ext cx="10235454" cy="5952451"/>
+            <a:ext cx="10235454" cy="5952450"/>
           </a:xfrm>
           <a:prstGeom prst="rect">
             <a:avLst/>
@@ -6805,6 +6806,154 @@
 </p:sld>
 </file>
 
+<file path=ppt/slides/slide17.xml><?xml version="1.0" encoding="utf-8"?>
+<p:sld xmlns:a="http://schemas.openxmlformats.org/drawingml/2006/main" xmlns:r="http://schemas.openxmlformats.org/officeDocument/2006/relationships" xmlns:p="http://schemas.openxmlformats.org/presentationml/2006/main" xmlns:m="http://schemas.openxmlformats.org/officeDocument/2006/math" xmlns:a14="http://schemas.microsoft.com/office/drawing/2010/main" showMasterSp="1" showMasterPhAnim="1">
+  <p:cSld>
+    <p:spTree>
+      <p:nvGrpSpPr>
+        <p:cNvPr id="1" name=""/>
+        <p:cNvGrpSpPr/>
+        <p:nvPr/>
+      </p:nvGrpSpPr>
+      <p:grpSpPr>
+        <a:xfrm>
+          <a:off x="0" y="0"/>
+          <a:ext cx="0" cy="0"/>
+          <a:chOff x="0" y="0"/>
+          <a:chExt cx="0" cy="0"/>
+        </a:xfrm>
+      </p:grpSpPr>
+      <p:sp>
+        <p:nvSpPr>
+          <p:cNvPr id="297" name="Linha"/>
+          <p:cNvSpPr/>
+          <p:nvPr/>
+        </p:nvSpPr>
+        <p:spPr>
+          <a:xfrm flipV="1">
+            <a:off x="-2881313" y="8776891"/>
+            <a:ext cx="28312270" cy="2906513"/>
+          </a:xfrm>
+          <a:prstGeom prst="line">
+            <a:avLst/>
+          </a:prstGeom>
+          <a:ln w="25400">
+            <a:solidFill>
+              <a:schemeClr val="accent1"/>
+            </a:solidFill>
+            <a:miter lim="400000"/>
+          </a:ln>
+        </p:spPr>
+        <p:txBody>
+          <a:bodyPr lIns="50800" tIns="50800" rIns="50800" bIns="50800" anchor="ctr"/>
+          <a:lstStyle/>
+          <a:p>
+            <a:pPr/>
+          </a:p>
+        </p:txBody>
+      </p:sp>
+      <p:sp>
+        <p:nvSpPr>
+          <p:cNvPr id="298" name="Linha"/>
+          <p:cNvSpPr/>
+          <p:nvPr/>
+        </p:nvSpPr>
+        <p:spPr>
+          <a:xfrm>
+            <a:off x="6579890" y="-400041"/>
+            <a:ext cx="19123621" cy="4986664"/>
+          </a:xfrm>
+          <a:prstGeom prst="line">
+            <a:avLst/>
+          </a:prstGeom>
+          <a:ln w="25400">
+            <a:solidFill>
+              <a:schemeClr val="accent1">
+                <a:hueOff val="114395"/>
+                <a:lumOff val="-24975"/>
+              </a:schemeClr>
+            </a:solidFill>
+            <a:miter lim="400000"/>
+          </a:ln>
+        </p:spPr>
+        <p:txBody>
+          <a:bodyPr lIns="50800" tIns="50800" rIns="50800" bIns="50800" anchor="ctr"/>
+          <a:lstStyle/>
+          <a:p>
+            <a:pPr/>
+          </a:p>
+        </p:txBody>
+      </p:sp>
+      <p:sp>
+        <p:nvSpPr>
+          <p:cNvPr id="299" name="Linha"/>
+          <p:cNvSpPr/>
+          <p:nvPr/>
+        </p:nvSpPr>
+        <p:spPr>
+          <a:xfrm flipV="1">
+            <a:off x="10107116" y="1813650"/>
+            <a:ext cx="15557502" cy="16832996"/>
+          </a:xfrm>
+          <a:prstGeom prst="line">
+            <a:avLst/>
+          </a:prstGeom>
+          <a:ln w="25400">
+            <a:solidFill>
+              <a:schemeClr val="accent1">
+                <a:hueOff val="114395"/>
+                <a:lumOff val="-24975"/>
+              </a:schemeClr>
+            </a:solidFill>
+            <a:miter lim="400000"/>
+          </a:ln>
+        </p:spPr>
+        <p:txBody>
+          <a:bodyPr lIns="50800" tIns="50800" rIns="50800" bIns="50800" anchor="ctr"/>
+          <a:lstStyle/>
+          <a:p>
+            <a:pPr/>
+          </a:p>
+        </p:txBody>
+      </p:sp>
+      <p:pic>
+        <p:nvPicPr>
+          <p:cNvPr id="300" name="User Flow - Cowork Space Manager [Recovered]-01.svg" descr="User Flow - Cowork Space Manager [Recovered]-01.svg"/>
+          <p:cNvPicPr>
+            <a:picLocks noChangeAspect="1"/>
+          </p:cNvPicPr>
+          <p:nvPr/>
+        </p:nvPicPr>
+        <p:blipFill>
+          <a:blip r:embed="rId2">
+            <a:extLst/>
+          </a:blip>
+          <a:stretch>
+            <a:fillRect/>
+          </a:stretch>
+        </p:blipFill>
+        <p:spPr>
+          <a:xfrm>
+            <a:off x="3065410" y="90927"/>
+            <a:ext cx="19141011" cy="13534146"/>
+          </a:xfrm>
+          <a:prstGeom prst="rect">
+            <a:avLst/>
+          </a:prstGeom>
+          <a:ln w="12700">
+            <a:miter lim="400000"/>
+          </a:ln>
+        </p:spPr>
+      </p:pic>
+    </p:spTree>
+  </p:cSld>
+  <p:clrMapOvr>
+    <a:masterClrMapping/>
+  </p:clrMapOvr>
+  <p:transition xmlns:p14="http://schemas.microsoft.com/office/powerpoint/2010/main" spd="med" advClick="1"/>
+</p:sld>
+</file>
+
 <file path=ppt/slides/slide2.xml><?xml version="1.0" encoding="utf-8"?>
 <p:sld xmlns:a="http://schemas.openxmlformats.org/drawingml/2006/main" xmlns:r="http://schemas.openxmlformats.org/officeDocument/2006/relationships" xmlns:p="http://schemas.openxmlformats.org/presentationml/2006/main" xmlns:m="http://schemas.openxmlformats.org/officeDocument/2006/math" xmlns:a14="http://schemas.microsoft.com/office/drawing/2010/main" showMasterSp="1" showMasterPhAnim="1">
   <p:cSld>
@@ -8198,8 +8347,8 @@
         </p:nvSpPr>
         <p:spPr>
           <a:xfrm>
-            <a:off x="10308927" y="-996449"/>
-            <a:ext cx="14629905" cy="3774484"/>
+            <a:off x="10308927" y="-996448"/>
+            <a:ext cx="14629905" cy="3774483"/>
           </a:xfrm>
           <a:prstGeom prst="line">
             <a:avLst/>
@@ -8657,7 +8806,7 @@
         <p:spPr>
           <a:xfrm>
             <a:off x="10272711" y="-223460"/>
-            <a:ext cx="16856079" cy="4340865"/>
+            <a:ext cx="16856078" cy="4340864"/>
           </a:xfrm>
           <a:prstGeom prst="line">
             <a:avLst/>
@@ -8688,8 +8837,8 @@
         </p:nvSpPr>
         <p:spPr>
           <a:xfrm flipH="1">
-            <a:off x="-2231428" y="-898619"/>
-            <a:ext cx="13250137" cy="14701629"/>
+            <a:off x="-2231427" y="-898619"/>
+            <a:ext cx="13250136" cy="14701628"/>
           </a:xfrm>
           <a:prstGeom prst="line">
             <a:avLst/>
@@ -8820,7 +8969,7 @@
         <p:spPr>
           <a:xfrm flipH="1" flipV="1">
             <a:off x="-15821847" y="408465"/>
-            <a:ext cx="7529514" cy="15563849"/>
+            <a:ext cx="7529515" cy="15563849"/>
           </a:xfrm>
           <a:prstGeom prst="line">
             <a:avLst/>
@@ -8848,8 +8997,8 @@
         </p:nvSpPr>
         <p:spPr>
           <a:xfrm flipH="1">
-            <a:off x="-1699846" y="-1178231"/>
-            <a:ext cx="12242236" cy="17326375"/>
+            <a:off x="-1699846" y="-1178232"/>
+            <a:ext cx="12242236" cy="17326376"/>
           </a:xfrm>
           <a:prstGeom prst="line">
             <a:avLst/>
@@ -8911,8 +9060,8 @@
         </p:nvSpPr>
         <p:spPr>
           <a:xfrm>
-            <a:off x="-2082501" y="-453165"/>
-            <a:ext cx="7991740" cy="15474184"/>
+            <a:off x="-2082503" y="-453165"/>
+            <a:ext cx="7991744" cy="15474182"/>
           </a:xfrm>
           <a:prstGeom prst="line">
             <a:avLst/>
@@ -8942,8 +9091,8 @@
         </p:nvSpPr>
         <p:spPr>
           <a:xfrm flipV="1">
-            <a:off x="-19500055" y="6041919"/>
-            <a:ext cx="47362012" cy="9088215"/>
+            <a:off x="-19500055" y="6041918"/>
+            <a:ext cx="47362012" cy="9088216"/>
           </a:xfrm>
           <a:prstGeom prst="line">
             <a:avLst/>
